--- a/Anglais/Eclipse.pptx
+++ b/Anglais/Eclipse.pptx
@@ -262,7 +262,7 @@
           <a:p>
             <a:fld id="{6124CC7C-C7AE-4861-BE91-AF0F982DF5ED}" type="datetimeFigureOut">
               <a:rPr lang="fr-FR" smtClean="0"/>
-              <a:t>28/10/2020</a:t>
+              <a:t>05/11/2020</a:t>
             </a:fld>
             <a:endParaRPr lang="fr-FR"/>
           </a:p>
@@ -460,7 +460,7 @@
           <a:p>
             <a:fld id="{6124CC7C-C7AE-4861-BE91-AF0F982DF5ED}" type="datetimeFigureOut">
               <a:rPr lang="fr-FR" smtClean="0"/>
-              <a:t>28/10/2020</a:t>
+              <a:t>05/11/2020</a:t>
             </a:fld>
             <a:endParaRPr lang="fr-FR"/>
           </a:p>
@@ -668,7 +668,7 @@
           <a:p>
             <a:fld id="{6124CC7C-C7AE-4861-BE91-AF0F982DF5ED}" type="datetimeFigureOut">
               <a:rPr lang="fr-FR" smtClean="0"/>
-              <a:t>28/10/2020</a:t>
+              <a:t>05/11/2020</a:t>
             </a:fld>
             <a:endParaRPr lang="fr-FR"/>
           </a:p>
@@ -866,7 +866,7 @@
           <a:p>
             <a:fld id="{6124CC7C-C7AE-4861-BE91-AF0F982DF5ED}" type="datetimeFigureOut">
               <a:rPr lang="fr-FR" smtClean="0"/>
-              <a:t>28/10/2020</a:t>
+              <a:t>05/11/2020</a:t>
             </a:fld>
             <a:endParaRPr lang="fr-FR"/>
           </a:p>
@@ -1141,7 +1141,7 @@
           <a:p>
             <a:fld id="{6124CC7C-C7AE-4861-BE91-AF0F982DF5ED}" type="datetimeFigureOut">
               <a:rPr lang="fr-FR" smtClean="0"/>
-              <a:t>28/10/2020</a:t>
+              <a:t>05/11/2020</a:t>
             </a:fld>
             <a:endParaRPr lang="fr-FR"/>
           </a:p>
@@ -1406,7 +1406,7 @@
           <a:p>
             <a:fld id="{6124CC7C-C7AE-4861-BE91-AF0F982DF5ED}" type="datetimeFigureOut">
               <a:rPr lang="fr-FR" smtClean="0"/>
-              <a:t>28/10/2020</a:t>
+              <a:t>05/11/2020</a:t>
             </a:fld>
             <a:endParaRPr lang="fr-FR"/>
           </a:p>
@@ -1818,7 +1818,7 @@
           <a:p>
             <a:fld id="{6124CC7C-C7AE-4861-BE91-AF0F982DF5ED}" type="datetimeFigureOut">
               <a:rPr lang="fr-FR" smtClean="0"/>
-              <a:t>28/10/2020</a:t>
+              <a:t>05/11/2020</a:t>
             </a:fld>
             <a:endParaRPr lang="fr-FR"/>
           </a:p>
@@ -1959,7 +1959,7 @@
           <a:p>
             <a:fld id="{6124CC7C-C7AE-4861-BE91-AF0F982DF5ED}" type="datetimeFigureOut">
               <a:rPr lang="fr-FR" smtClean="0"/>
-              <a:t>28/10/2020</a:t>
+              <a:t>05/11/2020</a:t>
             </a:fld>
             <a:endParaRPr lang="fr-FR"/>
           </a:p>
@@ -2072,7 +2072,7 @@
           <a:p>
             <a:fld id="{6124CC7C-C7AE-4861-BE91-AF0F982DF5ED}" type="datetimeFigureOut">
               <a:rPr lang="fr-FR" smtClean="0"/>
-              <a:t>28/10/2020</a:t>
+              <a:t>05/11/2020</a:t>
             </a:fld>
             <a:endParaRPr lang="fr-FR"/>
           </a:p>
@@ -2383,7 +2383,7 @@
           <a:p>
             <a:fld id="{6124CC7C-C7AE-4861-BE91-AF0F982DF5ED}" type="datetimeFigureOut">
               <a:rPr lang="fr-FR" smtClean="0"/>
-              <a:t>28/10/2020</a:t>
+              <a:t>05/11/2020</a:t>
             </a:fld>
             <a:endParaRPr lang="fr-FR"/>
           </a:p>
@@ -2671,7 +2671,7 @@
           <a:p>
             <a:fld id="{6124CC7C-C7AE-4861-BE91-AF0F982DF5ED}" type="datetimeFigureOut">
               <a:rPr lang="fr-FR" smtClean="0"/>
-              <a:t>28/10/2020</a:t>
+              <a:t>05/11/2020</a:t>
             </a:fld>
             <a:endParaRPr lang="fr-FR"/>
           </a:p>
@@ -2912,7 +2912,7 @@
           <a:p>
             <a:fld id="{6124CC7C-C7AE-4861-BE91-AF0F982DF5ED}" type="datetimeFigureOut">
               <a:rPr lang="fr-FR" smtClean="0"/>
-              <a:t>28/10/2020</a:t>
+              <a:t>05/11/2020</a:t>
             </a:fld>
             <a:endParaRPr lang="fr-FR"/>
           </a:p>
@@ -3361,7 +3361,7 @@
         </p:nvSpPr>
         <p:spPr>
           <a:xfrm>
-            <a:off x="1094792" y="390552"/>
+            <a:off x="1524000" y="1511184"/>
             <a:ext cx="9144000" cy="2387600"/>
           </a:xfrm>
         </p:spPr>
@@ -3430,7 +3430,7 @@
         </p:nvSpPr>
         <p:spPr>
           <a:xfrm>
-            <a:off x="1380018" y="3898784"/>
+            <a:off x="1524000" y="5618527"/>
             <a:ext cx="9144000" cy="1655762"/>
           </a:xfrm>
         </p:spPr>
@@ -3445,48 +3445,6 @@
                 </a:solidFill>
               </a:rPr>
               <a:t>Eclipse</a:t>
-            </a:r>
-          </a:p>
-          <a:p>
-            <a:r>
-              <a:rPr lang="fr-FR" dirty="0">
-                <a:solidFill>
-                  <a:schemeClr val="bg1"/>
-                </a:solidFill>
-              </a:rPr>
-              <a:t>Markup </a:t>
-            </a:r>
-            <a:r>
-              <a:rPr lang="fr-FR" dirty="0" err="1">
-                <a:solidFill>
-                  <a:schemeClr val="bg1"/>
-                </a:solidFill>
-              </a:rPr>
-              <a:t>language</a:t>
-            </a:r>
-            <a:r>
-              <a:rPr lang="fr-FR" dirty="0">
-                <a:solidFill>
-                  <a:schemeClr val="bg1"/>
-                </a:solidFill>
-              </a:rPr>
-              <a:t> </a:t>
-            </a:r>
-            <a:r>
-              <a:rPr lang="fr-FR" dirty="0" err="1">
-                <a:solidFill>
-                  <a:schemeClr val="bg1"/>
-                </a:solidFill>
-              </a:rPr>
-              <a:t>is</a:t>
-            </a:r>
-            <a:r>
-              <a:rPr lang="fr-FR" dirty="0">
-                <a:solidFill>
-                  <a:schemeClr val="bg1"/>
-                </a:solidFill>
-              </a:rPr>
-              <a:t> JAVA</a:t>
             </a:r>
           </a:p>
         </p:txBody>
@@ -3509,35 +3467,15 @@
   <p:cSld>
     <p:bg>
       <p:bgPr>
-        <a:gradFill>
-          <a:gsLst>
-            <a:gs pos="0">
-              <a:schemeClr val="accent1">
-                <a:lumMod val="5000"/>
-                <a:lumOff val="95000"/>
-              </a:schemeClr>
-            </a:gs>
-            <a:gs pos="74000">
-              <a:schemeClr val="accent1">
-                <a:lumMod val="45000"/>
-                <a:lumOff val="55000"/>
-              </a:schemeClr>
-            </a:gs>
-            <a:gs pos="83000">
-              <a:schemeClr val="accent1">
-                <a:lumMod val="45000"/>
-                <a:lumOff val="55000"/>
-              </a:schemeClr>
-            </a:gs>
-            <a:gs pos="100000">
-              <a:schemeClr val="accent1">
-                <a:lumMod val="30000"/>
-                <a:lumOff val="70000"/>
-              </a:schemeClr>
-            </a:gs>
-          </a:gsLst>
-          <a:lin ang="5400000" scaled="1"/>
-        </a:gradFill>
+        <a:blipFill dpi="0" rotWithShape="1">
+          <a:blip r:embed="rId2">
+            <a:lum/>
+          </a:blip>
+          <a:srcRect/>
+          <a:stretch>
+            <a:fillRect l="-6000" r="-6000"/>
+          </a:stretch>
+        </a:blipFill>
         <a:effectLst/>
       </p:bgPr>
     </p:bg>
@@ -3555,67 +3493,31 @@
           <a:chExt cx="0" cy="0"/>
         </a:xfrm>
       </p:grpSpPr>
-      <p:pic>
-        <p:nvPicPr>
-          <p:cNvPr id="5" name="Image 4" descr="Une image contenant texte&#10;&#10;Description générée automatiquement">
-            <a:extLst>
-              <a:ext uri="{FF2B5EF4-FFF2-40B4-BE49-F238E27FC236}">
-                <a16:creationId xmlns:a16="http://schemas.microsoft.com/office/drawing/2014/main" id="{37DAE676-4DDD-4C53-8926-E48AC560CA28}"/>
-              </a:ext>
-            </a:extLst>
-          </p:cNvPr>
-          <p:cNvPicPr>
-            <a:picLocks noChangeAspect="1"/>
-          </p:cNvPicPr>
-          <p:nvPr/>
-        </p:nvPicPr>
-        <p:blipFill>
-          <a:blip r:embed="rId2">
-            <a:extLst>
-              <a:ext uri="{28A0092B-C50C-407E-A947-70E740481C1C}">
-                <a14:useLocalDpi xmlns:a14="http://schemas.microsoft.com/office/drawing/2010/main" val="0"/>
-              </a:ext>
-            </a:extLst>
-          </a:blip>
-          <a:stretch>
-            <a:fillRect/>
-          </a:stretch>
-        </p:blipFill>
+      <p:sp>
+        <p:nvSpPr>
+          <p:cNvPr id="6" name="Espace réservé du contenu 5">
+            <a:extLst>
+              <a:ext uri="{FF2B5EF4-FFF2-40B4-BE49-F238E27FC236}">
+                <a16:creationId xmlns:a16="http://schemas.microsoft.com/office/drawing/2014/main" id="{C7E98FC0-31BA-49FB-B5DE-F468C57B66A0}"/>
+              </a:ext>
+            </a:extLst>
+          </p:cNvPr>
+          <p:cNvSpPr>
+            <a:spLocks noGrp="1"/>
+          </p:cNvSpPr>
+          <p:nvPr>
+            <p:ph idx="1"/>
+          </p:nvPr>
+        </p:nvSpPr>
         <p:spPr>
           <a:xfrm>
-            <a:off x="4933244" y="0"/>
-            <a:ext cx="6982618" cy="4057378"/>
-          </a:xfrm>
-          <a:prstGeom prst="rect">
-            <a:avLst/>
-          </a:prstGeom>
-        </p:spPr>
-      </p:pic>
-      <p:sp>
-        <p:nvSpPr>
-          <p:cNvPr id="6" name="Espace réservé du contenu 5">
-            <a:extLst>
-              <a:ext uri="{FF2B5EF4-FFF2-40B4-BE49-F238E27FC236}">
-                <a16:creationId xmlns:a16="http://schemas.microsoft.com/office/drawing/2014/main" id="{C7E98FC0-31BA-49FB-B5DE-F468C57B66A0}"/>
-              </a:ext>
-            </a:extLst>
-          </p:cNvPr>
-          <p:cNvSpPr>
-            <a:spLocks noGrp="1"/>
-          </p:cNvSpPr>
-          <p:nvPr>
-            <p:ph idx="1"/>
-          </p:nvPr>
-        </p:nvSpPr>
-        <p:spPr>
-          <a:xfrm>
-            <a:off x="276138" y="307218"/>
-            <a:ext cx="10515600" cy="4351338"/>
+            <a:off x="0" y="1082351"/>
+            <a:ext cx="10515600" cy="5411755"/>
           </a:xfrm>
         </p:spPr>
         <p:txBody>
           <a:bodyPr>
-            <a:normAutofit fontScale="85000" lnSpcReduction="20000"/>
+            <a:normAutofit fontScale="70000" lnSpcReduction="20000"/>
           </a:bodyPr>
           <a:lstStyle/>
           <a:p>
@@ -3633,12 +3535,13 @@
             </a:r>
           </a:p>
           <a:p>
-            <a:endParaRPr lang="en-US" dirty="0">
+            <a:endParaRPr lang="en-US" b="0" i="0" dirty="0">
               <a:solidFill>
                 <a:schemeClr val="tx2">
                   <a:lumMod val="50000"/>
                 </a:schemeClr>
               </a:solidFill>
+              <a:effectLst/>
               <a:latin typeface="arial" panose="020B0604020202020204" pitchFamily="34" charset="0"/>
             </a:endParaRPr>
           </a:p>
@@ -3653,41 +3556,7 @@
                 <a:effectLst/>
                 <a:latin typeface="arial" panose="020B0604020202020204" pitchFamily="34" charset="0"/>
               </a:rPr>
-              <a:t>It contains a base workspace </a:t>
-            </a:r>
-          </a:p>
-          <a:p>
-            <a:pPr marL="0" indent="0">
-              <a:buNone/>
-            </a:pPr>
-            <a:r>
-              <a:rPr lang="en-US" b="0" i="0" dirty="0">
-                <a:solidFill>
-                  <a:schemeClr val="tx2">
-                    <a:lumMod val="50000"/>
-                  </a:schemeClr>
-                </a:solidFill>
-                <a:effectLst/>
-                <a:latin typeface="arial" panose="020B0604020202020204" pitchFamily="34" charset="0"/>
-              </a:rPr>
-              <a:t>and an extensible plug-in system </a:t>
-            </a:r>
-          </a:p>
-          <a:p>
-            <a:pPr marL="0" indent="0">
-              <a:buNone/>
-            </a:pPr>
-            <a:r>
-              <a:rPr lang="en-US" b="0" i="0" dirty="0">
-                <a:solidFill>
-                  <a:schemeClr val="tx2">
-                    <a:lumMod val="50000"/>
-                  </a:schemeClr>
-                </a:solidFill>
-                <a:effectLst/>
-                <a:latin typeface="arial" panose="020B0604020202020204" pitchFamily="34" charset="0"/>
-              </a:rPr>
-              <a:t>for customizing the environment</a:t>
+              <a:t>It contains a base workspace and an extensible plug-in system for customizing the environment</a:t>
             </a:r>
             <a:r>
               <a:rPr lang="en-US" dirty="0">
@@ -3721,6 +3590,86 @@
             </a:endParaRPr>
           </a:p>
           <a:p>
+            <a:endParaRPr lang="en-US" dirty="0">
+              <a:solidFill>
+                <a:schemeClr val="tx2">
+                  <a:lumMod val="50000"/>
+                </a:schemeClr>
+              </a:solidFill>
+              <a:latin typeface="arial" panose="020B0604020202020204" pitchFamily="34" charset="0"/>
+            </a:endParaRPr>
+          </a:p>
+          <a:p>
+            <a:endParaRPr lang="en-US" dirty="0">
+              <a:solidFill>
+                <a:schemeClr val="tx2">
+                  <a:lumMod val="50000"/>
+                </a:schemeClr>
+              </a:solidFill>
+              <a:latin typeface="arial" panose="020B0604020202020204" pitchFamily="34" charset="0"/>
+            </a:endParaRPr>
+          </a:p>
+          <a:p>
+            <a:endParaRPr lang="en-US" dirty="0">
+              <a:solidFill>
+                <a:schemeClr val="tx2">
+                  <a:lumMod val="50000"/>
+                </a:schemeClr>
+              </a:solidFill>
+              <a:latin typeface="arial" panose="020B0604020202020204" pitchFamily="34" charset="0"/>
+            </a:endParaRPr>
+          </a:p>
+          <a:p>
+            <a:endParaRPr lang="en-US" dirty="0">
+              <a:solidFill>
+                <a:schemeClr val="tx2">
+                  <a:lumMod val="50000"/>
+                </a:schemeClr>
+              </a:solidFill>
+              <a:latin typeface="arial" panose="020B0604020202020204" pitchFamily="34" charset="0"/>
+            </a:endParaRPr>
+          </a:p>
+          <a:p>
+            <a:endParaRPr lang="en-US" dirty="0">
+              <a:solidFill>
+                <a:schemeClr val="tx2">
+                  <a:lumMod val="50000"/>
+                </a:schemeClr>
+              </a:solidFill>
+              <a:latin typeface="arial" panose="020B0604020202020204" pitchFamily="34" charset="0"/>
+            </a:endParaRPr>
+          </a:p>
+          <a:p>
+            <a:endParaRPr lang="en-US" dirty="0">
+              <a:solidFill>
+                <a:schemeClr val="tx2">
+                  <a:lumMod val="50000"/>
+                </a:schemeClr>
+              </a:solidFill>
+              <a:latin typeface="arial" panose="020B0604020202020204" pitchFamily="34" charset="0"/>
+            </a:endParaRPr>
+          </a:p>
+          <a:p>
+            <a:endParaRPr lang="en-US" dirty="0">
+              <a:solidFill>
+                <a:schemeClr val="tx2">
+                  <a:lumMod val="50000"/>
+                </a:schemeClr>
+              </a:solidFill>
+              <a:latin typeface="arial" panose="020B0604020202020204" pitchFamily="34" charset="0"/>
+            </a:endParaRPr>
+          </a:p>
+          <a:p>
+            <a:endParaRPr lang="en-US" dirty="0">
+              <a:solidFill>
+                <a:schemeClr val="tx2">
+                  <a:lumMod val="50000"/>
+                </a:schemeClr>
+              </a:solidFill>
+              <a:latin typeface="arial" panose="020B0604020202020204" pitchFamily="34" charset="0"/>
+            </a:endParaRPr>
+          </a:p>
+          <a:p>
             <a:r>
               <a:rPr lang="en-US" dirty="0">
                 <a:solidFill>
@@ -3774,20 +3723,6 @@
               </a:solidFill>
               <a:latin typeface="arial" panose="020B0604020202020204" pitchFamily="34" charset="0"/>
             </a:endParaRPr>
-          </a:p>
-          <a:p>
-            <a:r>
-              <a:rPr lang="en-US" b="0" i="0" dirty="0">
-                <a:solidFill>
-                  <a:schemeClr val="tx2">
-                    <a:lumMod val="50000"/>
-                  </a:schemeClr>
-                </a:solidFill>
-                <a:effectLst/>
-                <a:latin typeface="arial" panose="020B0604020202020204" pitchFamily="34" charset="0"/>
-              </a:rPr>
-              <a:t>You can develop appliccation in other languages with plug-ins.</a:t>
-            </a:r>
           </a:p>
           <a:p>
             <a:endParaRPr lang="en-US" dirty="0">
@@ -3843,114 +3778,46 @@
           </a:p>
         </p:txBody>
       </p:sp>
-      <p:pic>
-        <p:nvPicPr>
-          <p:cNvPr id="3" name="Image 2" descr="Une image contenant texte&#10;&#10;Description générée automatiquement">
-            <a:extLst>
-              <a:ext uri="{FF2B5EF4-FFF2-40B4-BE49-F238E27FC236}">
-                <a16:creationId xmlns:a16="http://schemas.microsoft.com/office/drawing/2014/main" id="{94E566EB-9CE1-4F9F-8598-82810B2D7389}"/>
-              </a:ext>
-            </a:extLst>
-          </p:cNvPr>
-          <p:cNvPicPr>
-            <a:picLocks noChangeAspect="1"/>
-          </p:cNvPicPr>
+      <p:sp>
+        <p:nvSpPr>
+          <p:cNvPr id="2" name="ZoneTexte 1">
+            <a:extLst>
+              <a:ext uri="{FF2B5EF4-FFF2-40B4-BE49-F238E27FC236}">
+                <a16:creationId xmlns:a16="http://schemas.microsoft.com/office/drawing/2014/main" id="{5A85BD98-1295-4C76-98FB-31526D0FAF7B}"/>
+              </a:ext>
+            </a:extLst>
+          </p:cNvPr>
+          <p:cNvSpPr txBox="1"/>
           <p:nvPr/>
-        </p:nvPicPr>
-        <p:blipFill>
-          <a:blip r:embed="rId3">
-            <a:extLst>
-              <a:ext uri="{28A0092B-C50C-407E-A947-70E740481C1C}">
-                <a14:useLocalDpi xmlns:a14="http://schemas.microsoft.com/office/drawing/2010/main" val="0"/>
-              </a:ext>
-            </a:extLst>
-          </a:blip>
-          <a:stretch>
-            <a:fillRect/>
-          </a:stretch>
-        </p:blipFill>
+        </p:nvSpPr>
         <p:spPr>
           <a:xfrm>
-            <a:off x="276138" y="4658555"/>
-            <a:ext cx="3477851" cy="2199445"/>
+            <a:off x="167951" y="139959"/>
+            <a:ext cx="11849877" cy="707886"/>
           </a:xfrm>
           <a:prstGeom prst="rect">
             <a:avLst/>
           </a:prstGeom>
+          <a:noFill/>
         </p:spPr>
-      </p:pic>
-      <p:pic>
-        <p:nvPicPr>
-          <p:cNvPr id="8" name="Image 7" descr="Une image contenant texte&#10;&#10;Description générée automatiquement">
-            <a:extLst>
-              <a:ext uri="{FF2B5EF4-FFF2-40B4-BE49-F238E27FC236}">
-                <a16:creationId xmlns:a16="http://schemas.microsoft.com/office/drawing/2014/main" id="{D83D1D04-7307-4A3F-9717-A24D920AA746}"/>
-              </a:ext>
-            </a:extLst>
-          </p:cNvPr>
-          <p:cNvPicPr>
-            <a:picLocks noChangeAspect="1"/>
-          </p:cNvPicPr>
-          <p:nvPr/>
-        </p:nvPicPr>
-        <p:blipFill>
-          <a:blip r:embed="rId4">
-            <a:extLst>
-              <a:ext uri="{28A0092B-C50C-407E-A947-70E740481C1C}">
-                <a14:useLocalDpi xmlns:a14="http://schemas.microsoft.com/office/drawing/2010/main" val="0"/>
-              </a:ext>
-            </a:extLst>
-          </a:blip>
-          <a:stretch>
-            <a:fillRect/>
-          </a:stretch>
-        </p:blipFill>
-        <p:spPr>
-          <a:xfrm>
-            <a:off x="9210762" y="4915314"/>
-            <a:ext cx="2705100" cy="1685925"/>
-          </a:xfrm>
-          <a:prstGeom prst="rect">
-            <a:avLst/>
-          </a:prstGeom>
-        </p:spPr>
-      </p:pic>
-      <p:pic>
-        <p:nvPicPr>
-          <p:cNvPr id="10" name="Image 9" descr="Une image contenant dessin&#10;&#10;Description générée automatiquement">
-            <a:extLst>
-              <a:ext uri="{FF2B5EF4-FFF2-40B4-BE49-F238E27FC236}">
-                <a16:creationId xmlns:a16="http://schemas.microsoft.com/office/drawing/2014/main" id="{1D86E815-26CB-4E27-9416-0354301F3275}"/>
-              </a:ext>
-            </a:extLst>
-          </p:cNvPr>
-          <p:cNvPicPr>
-            <a:picLocks noChangeAspect="1"/>
-          </p:cNvPicPr>
-          <p:nvPr/>
-        </p:nvPicPr>
-        <p:blipFill>
-          <a:blip r:embed="rId5">
-            <a:extLst>
-              <a:ext uri="{28A0092B-C50C-407E-A947-70E740481C1C}">
-                <a14:useLocalDpi xmlns:a14="http://schemas.microsoft.com/office/drawing/2010/main" val="0"/>
-              </a:ext>
-            </a:extLst>
-          </a:blip>
-          <a:stretch>
-            <a:fillRect/>
-          </a:stretch>
-        </p:blipFill>
-        <p:spPr>
-          <a:xfrm>
-            <a:off x="4214503" y="4590127"/>
-            <a:ext cx="4535745" cy="2267873"/>
-          </a:xfrm>
-          <a:prstGeom prst="rect">
-            <a:avLst/>
-          </a:prstGeom>
-        </p:spPr>
-      </p:pic>
+        <p:txBody>
+          <a:bodyPr wrap="square" rtlCol="0">
+            <a:spAutoFit/>
+          </a:bodyPr>
+          <a:lstStyle/>
+          <a:p>
+            <a:pPr algn="ctr"/>
+            <a:r>
+              <a:rPr lang="fr-FR" sz="4000" dirty="0">
+                <a:solidFill>
+                  <a:srgbClr val="FF0000"/>
+                </a:solidFill>
+              </a:rPr>
+              <a:t>INTRODUCTION</a:t>
+            </a:r>
+          </a:p>
+        </p:txBody>
+      </p:sp>
     </p:spTree>
     <p:extLst>
       <p:ext uri="{BB962C8B-B14F-4D97-AF65-F5344CB8AC3E}">
@@ -4013,16 +3880,18 @@
         </p:nvSpPr>
         <p:spPr>
           <a:xfrm>
-            <a:off x="82421" y="108792"/>
-            <a:ext cx="10515600" cy="4351338"/>
+            <a:off x="83976" y="183436"/>
+            <a:ext cx="10515600" cy="6581257"/>
           </a:xfrm>
         </p:spPr>
         <p:txBody>
-          <a:bodyPr/>
-          <a:lstStyle/>
-          <a:p>
-            <a:r>
-              <a:rPr lang="fr-FR" dirty="0">
+          <a:bodyPr>
+            <a:normAutofit fontScale="62500" lnSpcReduction="20000"/>
+          </a:bodyPr>
+          <a:lstStyle/>
+          <a:p>
+            <a:r>
+              <a:rPr lang="fr-FR" sz="4000" dirty="0">
                 <a:solidFill>
                   <a:schemeClr val="bg1"/>
                 </a:solidFill>
@@ -4030,7 +3899,7 @@
               <a:t>Eclipse </a:t>
             </a:r>
             <a:r>
-              <a:rPr lang="fr-FR" dirty="0" err="1">
+              <a:rPr lang="fr-FR" sz="4000" dirty="0" err="1">
                 <a:solidFill>
                   <a:schemeClr val="bg1"/>
                 </a:solidFill>
@@ -4038,7 +3907,7 @@
               <a:t>is</a:t>
             </a:r>
             <a:r>
-              <a:rPr lang="fr-FR" dirty="0">
+              <a:rPr lang="fr-FR" sz="4000" dirty="0">
                 <a:solidFill>
                   <a:schemeClr val="bg1"/>
                 </a:solidFill>
@@ -4046,7 +3915,7 @@
               <a:t> </a:t>
             </a:r>
             <a:r>
-              <a:rPr lang="fr-FR" dirty="0" err="1">
+              <a:rPr lang="fr-FR" sz="4000" dirty="0" err="1">
                 <a:solidFill>
                   <a:schemeClr val="bg1"/>
                 </a:solidFill>
@@ -4054,7 +3923,7 @@
               <a:t>mostly</a:t>
             </a:r>
             <a:r>
-              <a:rPr lang="fr-FR" dirty="0">
+              <a:rPr lang="fr-FR" sz="4000" dirty="0">
                 <a:solidFill>
                   <a:schemeClr val="bg1"/>
                 </a:solidFill>
@@ -4070,8 +3939,152 @@
             </a:endParaRPr>
           </a:p>
           <a:p>
-            <a:r>
-              <a:rPr lang="fr-FR" dirty="0">
+            <a:pPr algn="r"/>
+            <a:endParaRPr lang="en-US" dirty="0">
+              <a:solidFill>
+                <a:schemeClr val="bg1"/>
+              </a:solidFill>
+              <a:latin typeface="arial" panose="020B0604020202020204" pitchFamily="34" charset="0"/>
+            </a:endParaRPr>
+          </a:p>
+          <a:p>
+            <a:pPr algn="r"/>
+            <a:endParaRPr lang="en-US" b="0" i="0" dirty="0">
+              <a:solidFill>
+                <a:schemeClr val="bg1"/>
+              </a:solidFill>
+              <a:effectLst/>
+              <a:latin typeface="arial" panose="020B0604020202020204" pitchFamily="34" charset="0"/>
+            </a:endParaRPr>
+          </a:p>
+          <a:p>
+            <a:pPr algn="r"/>
+            <a:endParaRPr lang="en-US" b="0" i="0" dirty="0">
+              <a:solidFill>
+                <a:schemeClr val="bg1"/>
+              </a:solidFill>
+              <a:effectLst/>
+              <a:latin typeface="arial" panose="020B0604020202020204" pitchFamily="34" charset="0"/>
+            </a:endParaRPr>
+          </a:p>
+          <a:p>
+            <a:pPr algn="r"/>
+            <a:r>
+              <a:rPr lang="en-US" sz="3200" b="0" i="0" dirty="0">
+                <a:solidFill>
+                  <a:schemeClr val="bg1"/>
+                </a:solidFill>
+                <a:effectLst/>
+                <a:latin typeface="arial" panose="020B0604020202020204" pitchFamily="34" charset="0"/>
+              </a:rPr>
+              <a:t>You can develop appliccation in other </a:t>
+            </a:r>
+          </a:p>
+          <a:p>
+            <a:pPr marL="0" indent="0" algn="r">
+              <a:buNone/>
+            </a:pPr>
+            <a:r>
+              <a:rPr lang="en-US" sz="3200" b="0" i="0" dirty="0">
+                <a:solidFill>
+                  <a:schemeClr val="bg1"/>
+                </a:solidFill>
+                <a:effectLst/>
+                <a:latin typeface="arial" panose="020B0604020202020204" pitchFamily="34" charset="0"/>
+              </a:rPr>
+              <a:t>languages with plug-ins</a:t>
+            </a:r>
+            <a:r>
+              <a:rPr lang="en-US" b="0" i="0" dirty="0">
+                <a:solidFill>
+                  <a:schemeClr val="bg1"/>
+                </a:solidFill>
+                <a:effectLst/>
+                <a:latin typeface="arial" panose="020B0604020202020204" pitchFamily="34" charset="0"/>
+              </a:rPr>
+              <a:t>.</a:t>
+            </a:r>
+          </a:p>
+          <a:p>
+            <a:endParaRPr lang="fr-FR" dirty="0">
+              <a:solidFill>
+                <a:schemeClr val="bg1"/>
+              </a:solidFill>
+            </a:endParaRPr>
+          </a:p>
+          <a:p>
+            <a:endParaRPr lang="fr-FR" dirty="0">
+              <a:solidFill>
+                <a:schemeClr val="bg1"/>
+              </a:solidFill>
+            </a:endParaRPr>
+          </a:p>
+          <a:p>
+            <a:endParaRPr lang="fr-FR" dirty="0">
+              <a:solidFill>
+                <a:schemeClr val="bg1"/>
+              </a:solidFill>
+            </a:endParaRPr>
+          </a:p>
+          <a:p>
+            <a:endParaRPr lang="fr-FR" dirty="0">
+              <a:solidFill>
+                <a:schemeClr val="bg1"/>
+              </a:solidFill>
+            </a:endParaRPr>
+          </a:p>
+          <a:p>
+            <a:endParaRPr lang="fr-FR" dirty="0">
+              <a:solidFill>
+                <a:schemeClr val="bg1"/>
+              </a:solidFill>
+            </a:endParaRPr>
+          </a:p>
+          <a:p>
+            <a:endParaRPr lang="fr-FR" dirty="0">
+              <a:solidFill>
+                <a:schemeClr val="bg1"/>
+              </a:solidFill>
+            </a:endParaRPr>
+          </a:p>
+          <a:p>
+            <a:endParaRPr lang="fr-FR" dirty="0">
+              <a:solidFill>
+                <a:schemeClr val="bg1"/>
+              </a:solidFill>
+            </a:endParaRPr>
+          </a:p>
+          <a:p>
+            <a:endParaRPr lang="fr-FR" dirty="0">
+              <a:solidFill>
+                <a:schemeClr val="bg1"/>
+              </a:solidFill>
+            </a:endParaRPr>
+          </a:p>
+          <a:p>
+            <a:endParaRPr lang="fr-FR" dirty="0">
+              <a:solidFill>
+                <a:schemeClr val="bg1"/>
+              </a:solidFill>
+            </a:endParaRPr>
+          </a:p>
+          <a:p>
+            <a:endParaRPr lang="fr-FR" dirty="0">
+              <a:solidFill>
+                <a:schemeClr val="bg1"/>
+              </a:solidFill>
+            </a:endParaRPr>
+          </a:p>
+          <a:p>
+            <a:endParaRPr lang="fr-FR" dirty="0">
+              <a:solidFill>
+                <a:schemeClr val="bg1"/>
+              </a:solidFill>
+            </a:endParaRPr>
+          </a:p>
+          <a:p>
+            <a:r>
+              <a:rPr lang="fr-FR" sz="3800" dirty="0">
                 <a:solidFill>
                   <a:schemeClr val="bg1"/>
                 </a:solidFill>
@@ -4079,7 +4092,7 @@
               <a:t>Eclipse </a:t>
             </a:r>
             <a:r>
-              <a:rPr lang="fr-FR" dirty="0" err="1">
+              <a:rPr lang="fr-FR" sz="3800" dirty="0" err="1">
                 <a:solidFill>
                   <a:schemeClr val="bg1"/>
                 </a:solidFill>
@@ -4087,7 +4100,7 @@
               <a:t>is</a:t>
             </a:r>
             <a:r>
-              <a:rPr lang="fr-FR" dirty="0">
+              <a:rPr lang="fr-FR" sz="3800" dirty="0">
                 <a:solidFill>
                   <a:schemeClr val="bg1"/>
                 </a:solidFill>
@@ -4199,7 +4212,7 @@
         </p:nvSpPr>
         <p:spPr>
           <a:xfrm>
-            <a:off x="6962275" y="1283368"/>
+            <a:off x="5585599" y="3974511"/>
             <a:ext cx="3882190" cy="707886"/>
           </a:xfrm>
           <a:prstGeom prst="rect">
@@ -4216,7 +4229,7 @@
             <a:r>
               <a:rPr lang="fr-FR" sz="4000" dirty="0">
                 <a:solidFill>
-                  <a:schemeClr val="bg1"/>
+                  <a:schemeClr val="accent2"/>
                 </a:solidFill>
               </a:rPr>
               <a:t>Editor</a:t>
@@ -4238,7 +4251,7 @@
         </p:nvSpPr>
         <p:spPr>
           <a:xfrm>
-            <a:off x="5628425" y="612613"/>
+            <a:off x="9327502" y="815572"/>
             <a:ext cx="2667699" cy="369332"/>
           </a:xfrm>
           <a:prstGeom prst="rect">
@@ -4272,13 +4285,16 @@
               </a:ext>
             </a:extLst>
           </p:cNvPr>
-          <p:cNvCxnSpPr/>
+          <p:cNvCxnSpPr>
+            <a:cxnSpLocks/>
+            <a:stCxn id="8" idx="1"/>
+          </p:cNvCxnSpPr>
           <p:nvPr/>
         </p:nvCxnSpPr>
         <p:spPr>
           <a:xfrm flipH="1" flipV="1">
-            <a:off x="5016617" y="377505"/>
-            <a:ext cx="746620" cy="318781"/>
+            <a:off x="5016618" y="377506"/>
+            <a:ext cx="4310884" cy="622732"/>
           </a:xfrm>
           <a:prstGeom prst="straightConnector1">
             <a:avLst/>
@@ -4316,7 +4332,7 @@
         </p:nvSpPr>
         <p:spPr>
           <a:xfrm>
-            <a:off x="7164198" y="310393"/>
+            <a:off x="9085982" y="1245985"/>
             <a:ext cx="1131926" cy="369332"/>
           </a:xfrm>
           <a:prstGeom prst="rect">
@@ -4358,8 +4374,8 @@
         </p:nvCxnSpPr>
         <p:spPr>
           <a:xfrm flipH="1" flipV="1">
-            <a:off x="2986482" y="192947"/>
-            <a:ext cx="4177716" cy="302112"/>
+            <a:off x="2864498" y="192839"/>
+            <a:ext cx="6221484" cy="1237812"/>
           </a:xfrm>
           <a:prstGeom prst="straightConnector1">
             <a:avLst/>
@@ -4633,6 +4649,196 @@
           </a:fontRef>
         </p:style>
       </p:cxnSp>
+      <p:cxnSp>
+        <p:nvCxnSpPr>
+          <p:cNvPr id="12" name="Connecteur droit 11">
+            <a:extLst>
+              <a:ext uri="{FF2B5EF4-FFF2-40B4-BE49-F238E27FC236}">
+                <a16:creationId xmlns:a16="http://schemas.microsoft.com/office/drawing/2014/main" id="{1B6392CB-4A46-4444-B911-344B6CBC383C}"/>
+              </a:ext>
+            </a:extLst>
+          </p:cNvPr>
+          <p:cNvCxnSpPr/>
+          <p:nvPr/>
+        </p:nvCxnSpPr>
+        <p:spPr>
+          <a:xfrm>
+            <a:off x="2957804" y="587829"/>
+            <a:ext cx="0" cy="4609322"/>
+          </a:xfrm>
+          <a:prstGeom prst="line">
+            <a:avLst/>
+          </a:prstGeom>
+        </p:spPr>
+        <p:style>
+          <a:lnRef idx="3">
+            <a:schemeClr val="accent2"/>
+          </a:lnRef>
+          <a:fillRef idx="0">
+            <a:schemeClr val="accent2"/>
+          </a:fillRef>
+          <a:effectRef idx="2">
+            <a:schemeClr val="accent2"/>
+          </a:effectRef>
+          <a:fontRef idx="minor">
+            <a:schemeClr val="tx1"/>
+          </a:fontRef>
+        </p:style>
+      </p:cxnSp>
+      <p:cxnSp>
+        <p:nvCxnSpPr>
+          <p:cNvPr id="21" name="Connecteur droit 20">
+            <a:extLst>
+              <a:ext uri="{FF2B5EF4-FFF2-40B4-BE49-F238E27FC236}">
+                <a16:creationId xmlns:a16="http://schemas.microsoft.com/office/drawing/2014/main" id="{67B07C28-BF57-41BA-B8B7-69E9F15FCB5D}"/>
+              </a:ext>
+            </a:extLst>
+          </p:cNvPr>
+          <p:cNvCxnSpPr>
+            <a:cxnSpLocks/>
+          </p:cNvCxnSpPr>
+          <p:nvPr/>
+        </p:nvCxnSpPr>
+        <p:spPr>
+          <a:xfrm flipH="1">
+            <a:off x="2957804" y="5197151"/>
+            <a:ext cx="9234196" cy="0"/>
+          </a:xfrm>
+          <a:prstGeom prst="line">
+            <a:avLst/>
+          </a:prstGeom>
+        </p:spPr>
+        <p:style>
+          <a:lnRef idx="3">
+            <a:schemeClr val="accent2"/>
+          </a:lnRef>
+          <a:fillRef idx="0">
+            <a:schemeClr val="accent2"/>
+          </a:fillRef>
+          <a:effectRef idx="2">
+            <a:schemeClr val="accent2"/>
+          </a:effectRef>
+          <a:fontRef idx="minor">
+            <a:schemeClr val="tx1"/>
+          </a:fontRef>
+        </p:style>
+      </p:cxnSp>
+      <p:cxnSp>
+        <p:nvCxnSpPr>
+          <p:cNvPr id="23" name="Connecteur droit 22">
+            <a:extLst>
+              <a:ext uri="{FF2B5EF4-FFF2-40B4-BE49-F238E27FC236}">
+                <a16:creationId xmlns:a16="http://schemas.microsoft.com/office/drawing/2014/main" id="{D67F9F68-ADC9-4727-8C13-3BFC773DD046}"/>
+              </a:ext>
+            </a:extLst>
+          </p:cNvPr>
+          <p:cNvCxnSpPr>
+            <a:cxnSpLocks/>
+          </p:cNvCxnSpPr>
+          <p:nvPr/>
+        </p:nvCxnSpPr>
+        <p:spPr>
+          <a:xfrm>
+            <a:off x="2957804" y="587829"/>
+            <a:ext cx="9234196" cy="74790"/>
+          </a:xfrm>
+          <a:prstGeom prst="line">
+            <a:avLst/>
+          </a:prstGeom>
+        </p:spPr>
+        <p:style>
+          <a:lnRef idx="3">
+            <a:schemeClr val="accent2"/>
+          </a:lnRef>
+          <a:fillRef idx="0">
+            <a:schemeClr val="accent2"/>
+          </a:fillRef>
+          <a:effectRef idx="2">
+            <a:schemeClr val="accent2"/>
+          </a:effectRef>
+          <a:fontRef idx="minor">
+            <a:schemeClr val="tx1"/>
+          </a:fontRef>
+        </p:style>
+      </p:cxnSp>
+      <p:cxnSp>
+        <p:nvCxnSpPr>
+          <p:cNvPr id="27" name="Connecteur droit 26">
+            <a:extLst>
+              <a:ext uri="{FF2B5EF4-FFF2-40B4-BE49-F238E27FC236}">
+                <a16:creationId xmlns:a16="http://schemas.microsoft.com/office/drawing/2014/main" id="{6FBA75D3-ACBC-4780-96FF-6786BE1F866D}"/>
+              </a:ext>
+            </a:extLst>
+          </p:cNvPr>
+          <p:cNvCxnSpPr>
+            <a:cxnSpLocks/>
+          </p:cNvCxnSpPr>
+          <p:nvPr/>
+        </p:nvCxnSpPr>
+        <p:spPr>
+          <a:xfrm>
+            <a:off x="12192000" y="662619"/>
+            <a:ext cx="0" cy="4534532"/>
+          </a:xfrm>
+          <a:prstGeom prst="line">
+            <a:avLst/>
+          </a:prstGeom>
+        </p:spPr>
+        <p:style>
+          <a:lnRef idx="3">
+            <a:schemeClr val="accent2"/>
+          </a:lnRef>
+          <a:fillRef idx="0">
+            <a:schemeClr val="accent2"/>
+          </a:fillRef>
+          <a:effectRef idx="2">
+            <a:schemeClr val="accent2"/>
+          </a:effectRef>
+          <a:fontRef idx="minor">
+            <a:schemeClr val="tx1"/>
+          </a:fontRef>
+        </p:style>
+      </p:cxnSp>
+      <p:sp>
+        <p:nvSpPr>
+          <p:cNvPr id="25" name="ZoneTexte 24">
+            <a:extLst>
+              <a:ext uri="{FF2B5EF4-FFF2-40B4-BE49-F238E27FC236}">
+                <a16:creationId xmlns:a16="http://schemas.microsoft.com/office/drawing/2014/main" id="{A0984AA7-A9D7-4D95-9C9B-5ECF8CFA570F}"/>
+              </a:ext>
+            </a:extLst>
+          </p:cNvPr>
+          <p:cNvSpPr txBox="1"/>
+          <p:nvPr/>
+        </p:nvSpPr>
+        <p:spPr>
+          <a:xfrm>
+            <a:off x="5515027" y="-91671"/>
+            <a:ext cx="4023334" cy="646331"/>
+          </a:xfrm>
+          <a:prstGeom prst="rect">
+            <a:avLst/>
+          </a:prstGeom>
+          <a:noFill/>
+        </p:spPr>
+        <p:txBody>
+          <a:bodyPr wrap="square" rtlCol="0">
+            <a:spAutoFit/>
+          </a:bodyPr>
+          <a:lstStyle/>
+          <a:p>
+            <a:pPr algn="ctr"/>
+            <a:r>
+              <a:rPr lang="fr-FR" sz="3600" dirty="0">
+                <a:solidFill>
+                  <a:srgbClr val="FF0000"/>
+                </a:solidFill>
+              </a:rPr>
+              <a:t>INTERFACE</a:t>
+            </a:r>
+          </a:p>
+        </p:txBody>
+      </p:sp>
     </p:spTree>
     <p:extLst>
       <p:ext uri="{BB962C8B-B14F-4D97-AF65-F5344CB8AC3E}">
